--- a/Statistics Concepts/Describing&ExploringData.pptx
+++ b/Statistics Concepts/Describing&ExploringData.pptx
@@ -11696,13 +11696,13 @@
               </a:spcBef>
             </a:pPr>
             <a:r>
-              <a:rPr lang="en-US" sz="2800" spc="-5" dirty="0" err="1">
+              <a:rPr lang="en-US" sz="2800" spc="-5" dirty="0">
                 <a:solidFill>
                   <a:srgbClr val="7030A0"/>
                 </a:solidFill>
                 <a:cs typeface="Source Sans Pro Light"/>
               </a:rPr>
-              <a:t>Histrograms</a:t>
+              <a:t>Histograms</a:t>
             </a:r>
             <a:endParaRPr lang="en-US" sz="2800" dirty="0">
               <a:solidFill>
@@ -11777,7 +11777,7 @@
             </a:pPr>
             <a:r>
               <a:rPr lang="en-US" sz="2800" dirty="0"/>
-              <a:t>Help obscure noise and display </a:t>
+              <a:t>Help display </a:t>
             </a:r>
             <a:r>
               <a:rPr lang="en-US" sz="2800" i="1" dirty="0"/>
@@ -13465,7 +13465,7 @@
             </a:pPr>
             <a:r>
               <a:rPr lang="en-US" sz="2800" dirty="0"/>
-              <a:t>First digit is the tens digit, or the “leading” digit</a:t>
+              <a:t>First digit is the “leading” digit</a:t>
             </a:r>
           </a:p>
           <a:p>
@@ -13492,7 +13492,7 @@
             </a:pPr>
             <a:r>
               <a:rPr lang="en-US" sz="2800" dirty="0"/>
-              <a:t>Second digit is the units digit, or the “trailing” digit</a:t>
+              <a:t>Second digit is the “trailing” digit</a:t>
             </a:r>
           </a:p>
           <a:p>
@@ -14452,6 +14452,53 @@
           </a:prstGeom>
         </p:spPr>
       </p:pic>
+      <p:sp>
+        <p:nvSpPr>
+          <p:cNvPr id="5" name="TextBox 4">
+            <a:extLst>
+              <a:ext uri="{FF2B5EF4-FFF2-40B4-BE49-F238E27FC236}">
+                <a16:creationId xmlns:a16="http://schemas.microsoft.com/office/drawing/2014/main" id="{51E2F540-D849-4173-AF2F-78B28950A97F}"/>
+              </a:ext>
+            </a:extLst>
+          </p:cNvPr>
+          <p:cNvSpPr txBox="1"/>
+          <p:nvPr/>
+        </p:nvSpPr>
+        <p:spPr>
+          <a:xfrm>
+            <a:off x="11333956" y="4203700"/>
+            <a:ext cx="990600" cy="307777"/>
+          </a:xfrm>
+          <a:prstGeom prst="rect">
+            <a:avLst/>
+          </a:prstGeom>
+          <a:solidFill>
+            <a:schemeClr val="bg1"/>
+          </a:solidFill>
+        </p:spPr>
+        <p:txBody>
+          <a:bodyPr wrap="square" rtlCol="0">
+            <a:spAutoFit/>
+          </a:bodyPr>
+          <a:lstStyle/>
+          <a:p>
+            <a:r>
+              <a:rPr lang="en-US" sz="1400" b="1" dirty="0">
+                <a:latin typeface="Times New Roman" panose="02020603050405020304" pitchFamily="18" charset="0"/>
+                <a:cs typeface="Times New Roman" panose="02020603050405020304" pitchFamily="18" charset="0"/>
+              </a:rPr>
+              <a:t>Unimoda</a:t>
+            </a:r>
+            <a:r>
+              <a:rPr lang="en-US" sz="1400" dirty="0">
+                <a:latin typeface="Times New Roman" panose="02020603050405020304" pitchFamily="18" charset="0"/>
+                <a:cs typeface="Times New Roman" panose="02020603050405020304" pitchFamily="18" charset="0"/>
+              </a:rPr>
+              <a:t>l</a:t>
+            </a:r>
+          </a:p>
+        </p:txBody>
+      </p:sp>
     </p:spTree>
     <p:extLst>
       <p:ext uri="{BB962C8B-B14F-4D97-AF65-F5344CB8AC3E}">
@@ -15409,703 +15456,42 @@
           </p:txBody>
         </p:sp>
       </p:grpSp>
-      <mc:AlternateContent xmlns:mc="http://schemas.openxmlformats.org/markup-compatibility/2006" xmlns:a14="http://schemas.microsoft.com/office/drawing/2010/main">
-        <mc:Choice Requires="a14">
-          <p:sp>
-            <p:nvSpPr>
-              <p:cNvPr id="3" name="TextBox 2">
-                <a:extLst>
-                  <a:ext uri="{FF2B5EF4-FFF2-40B4-BE49-F238E27FC236}">
-                    <a16:creationId xmlns:a16="http://schemas.microsoft.com/office/drawing/2014/main" id="{BFC267E8-91D2-4D8A-A96F-1781659B8B19}"/>
-                  </a:ext>
-                </a:extLst>
-              </p:cNvPr>
-              <p:cNvSpPr txBox="1"/>
-              <p:nvPr/>
-            </p:nvSpPr>
-            <p:spPr>
-              <a:xfrm>
-                <a:off x="10610452" y="711989"/>
-                <a:ext cx="7734699" cy="5788379"/>
-              </a:xfrm>
-              <a:prstGeom prst="rect">
-                <a:avLst/>
-              </a:prstGeom>
-              <a:noFill/>
-            </p:spPr>
-            <p:txBody>
-              <a:bodyPr wrap="square" rtlCol="0">
-                <a:spAutoFit/>
-              </a:bodyPr>
-              <a:lstStyle/>
-              <a:p>
-                <a:pPr/>
-                <a14:m>
-                  <m:oMathPara xmlns:m="http://schemas.openxmlformats.org/officeDocument/2006/math">
-                    <m:oMathParaPr>
-                      <m:jc m:val="centerGroup"/>
-                    </m:oMathParaPr>
-                    <m:oMath xmlns:m="http://schemas.openxmlformats.org/officeDocument/2006/math">
-                      <m:r>
-                        <a:rPr lang="en-US" b="1" i="1" smtClean="0">
-                          <a:latin typeface="Cambria Math" panose="02040503050406030204" pitchFamily="18" charset="0"/>
-                        </a:rPr>
-                        <m:t>𝑴𝒆𝒂𝒏</m:t>
-                      </m:r>
-                      <m:r>
-                        <a:rPr lang="en-US" b="0" i="1" smtClean="0">
-                          <a:latin typeface="Cambria Math" panose="02040503050406030204" pitchFamily="18" charset="0"/>
-                        </a:rPr>
-                        <m:t>= </m:t>
-                      </m:r>
-                      <m:acc>
-                        <m:accPr>
-                          <m:chr m:val="̅"/>
-                          <m:ctrlPr>
-                            <a:rPr lang="en-US" b="0" i="1" smtClean="0">
-                              <a:latin typeface="Cambria Math" panose="02040503050406030204" pitchFamily="18" charset="0"/>
-                            </a:rPr>
-                          </m:ctrlPr>
-                        </m:accPr>
-                        <m:e>
-                          <m:r>
-                            <a:rPr lang="en-US" b="0" i="1" smtClean="0">
-                              <a:latin typeface="Cambria Math" panose="02040503050406030204" pitchFamily="18" charset="0"/>
-                            </a:rPr>
-                            <m:t>𝑋</m:t>
-                          </m:r>
-                        </m:e>
-                      </m:acc>
-                      <m:r>
-                        <a:rPr lang="en-US" b="0" i="1" smtClean="0">
-                          <a:latin typeface="Cambria Math" panose="02040503050406030204" pitchFamily="18" charset="0"/>
-                        </a:rPr>
-                        <m:t>=</m:t>
-                      </m:r>
-                      <m:f>
-                        <m:fPr>
-                          <m:ctrlPr>
-                            <a:rPr lang="en-US" b="0" i="1" smtClean="0">
-                              <a:latin typeface="Cambria Math" panose="02040503050406030204" pitchFamily="18" charset="0"/>
-                            </a:rPr>
-                          </m:ctrlPr>
-                        </m:fPr>
-                        <m:num>
-                          <m:nary>
-                            <m:naryPr>
-                              <m:chr m:val="∑"/>
-                              <m:subHide m:val="on"/>
-                              <m:supHide m:val="on"/>
-                              <m:ctrlPr>
-                                <a:rPr lang="en-US" b="0" i="1" smtClean="0">
-                                  <a:latin typeface="Cambria Math" panose="02040503050406030204" pitchFamily="18" charset="0"/>
-                                </a:rPr>
-                              </m:ctrlPr>
-                            </m:naryPr>
-                            <m:sub/>
-                            <m:sup/>
-                            <m:e>
-                              <m:r>
-                                <a:rPr lang="en-US" b="0" i="1" smtClean="0">
-                                  <a:latin typeface="Cambria Math" panose="02040503050406030204" pitchFamily="18" charset="0"/>
-                                </a:rPr>
-                                <m:t>𝑋</m:t>
-                              </m:r>
-                            </m:e>
-                          </m:nary>
-                        </m:num>
-                        <m:den>
-                          <m:r>
-                            <a:rPr lang="en-US" b="0" i="1" smtClean="0">
-                              <a:latin typeface="Cambria Math" panose="02040503050406030204" pitchFamily="18" charset="0"/>
-                            </a:rPr>
-                            <m:t>𝑁</m:t>
-                          </m:r>
-                        </m:den>
-                      </m:f>
-                    </m:oMath>
-                  </m:oMathPara>
-                </a14:m>
-                <a:endParaRPr lang="en-US" dirty="0"/>
-              </a:p>
-              <a:p>
-                <a:endParaRPr lang="en-US" dirty="0"/>
-              </a:p>
-              <a:p>
-                <a:pPr/>
-                <a14:m>
-                  <m:oMathPara xmlns:m="http://schemas.openxmlformats.org/officeDocument/2006/math">
-                    <m:oMathParaPr>
-                      <m:jc m:val="centerGroup"/>
-                    </m:oMathParaPr>
-                    <m:oMath xmlns:m="http://schemas.openxmlformats.org/officeDocument/2006/math">
-                      <m:r>
-                        <m:rPr>
-                          <m:sty m:val="p"/>
-                        </m:rPr>
-                        <a:rPr lang="en-US" b="0" i="0" smtClean="0">
-                          <a:latin typeface="Cambria Math" panose="02040503050406030204" pitchFamily="18" charset="0"/>
-                        </a:rPr>
-                        <m:t>Mean</m:t>
-                      </m:r>
-                      <m:d>
-                        <m:dPr>
-                          <m:ctrlPr>
-                            <a:rPr lang="en-US" b="0" i="1" smtClean="0">
-                              <a:latin typeface="Cambria Math" panose="02040503050406030204" pitchFamily="18" charset="0"/>
-                            </a:rPr>
-                          </m:ctrlPr>
-                        </m:dPr>
-                        <m:e>
-                          <m:r>
-                            <a:rPr lang="en-US" b="0" i="0" smtClean="0">
-                              <a:latin typeface="Cambria Math" panose="02040503050406030204" pitchFamily="18" charset="0"/>
-                            </a:rPr>
-                            <m:t>3, 5, 2, 4</m:t>
-                          </m:r>
-                        </m:e>
-                      </m:d>
-                      <m:r>
-                        <a:rPr lang="en-US" b="0" i="0" smtClean="0">
-                          <a:latin typeface="Cambria Math" panose="02040503050406030204" pitchFamily="18" charset="0"/>
-                        </a:rPr>
-                        <m:t>=</m:t>
-                      </m:r>
-                      <m:f>
-                        <m:fPr>
-                          <m:ctrlPr>
-                            <a:rPr lang="en-US" i="1" smtClean="0">
-                              <a:latin typeface="Cambria Math" panose="02040503050406030204" pitchFamily="18" charset="0"/>
-                            </a:rPr>
-                          </m:ctrlPr>
-                        </m:fPr>
-                        <m:num>
-                          <m:r>
-                            <a:rPr lang="en-US" b="0" i="1" smtClean="0">
-                              <a:latin typeface="Cambria Math" panose="02040503050406030204" pitchFamily="18" charset="0"/>
-                            </a:rPr>
-                            <m:t>3+5+2+4</m:t>
-                          </m:r>
-                        </m:num>
-                        <m:den>
-                          <m:r>
-                            <a:rPr lang="en-US" b="0" i="1" smtClean="0">
-                              <a:latin typeface="Cambria Math" panose="02040503050406030204" pitchFamily="18" charset="0"/>
-                            </a:rPr>
-                            <m:t>4</m:t>
-                          </m:r>
-                        </m:den>
-                      </m:f>
-                      <m:r>
-                        <a:rPr lang="en-US" b="0" i="1" smtClean="0">
-                          <a:latin typeface="Cambria Math" panose="02040503050406030204" pitchFamily="18" charset="0"/>
-                        </a:rPr>
-                        <m:t>=</m:t>
-                      </m:r>
-                      <m:f>
-                        <m:fPr>
-                          <m:ctrlPr>
-                            <a:rPr lang="en-US" b="0" i="1" smtClean="0">
-                              <a:latin typeface="Cambria Math" panose="02040503050406030204" pitchFamily="18" charset="0"/>
-                            </a:rPr>
-                          </m:ctrlPr>
-                        </m:fPr>
-                        <m:num>
-                          <m:r>
-                            <a:rPr lang="en-US" b="0" i="1" smtClean="0">
-                              <a:latin typeface="Cambria Math" panose="02040503050406030204" pitchFamily="18" charset="0"/>
-                            </a:rPr>
-                            <m:t>14</m:t>
-                          </m:r>
-                        </m:num>
-                        <m:den>
-                          <m:r>
-                            <a:rPr lang="en-US" b="0" i="1" smtClean="0">
-                              <a:latin typeface="Cambria Math" panose="02040503050406030204" pitchFamily="18" charset="0"/>
-                            </a:rPr>
-                            <m:t>4</m:t>
-                          </m:r>
-                        </m:den>
-                      </m:f>
-                      <m:r>
-                        <a:rPr lang="en-US" b="0" i="1" smtClean="0">
-                          <a:latin typeface="Cambria Math" panose="02040503050406030204" pitchFamily="18" charset="0"/>
-                        </a:rPr>
-                        <m:t>=3.5=</m:t>
-                      </m:r>
-                      <m:acc>
-                        <m:accPr>
-                          <m:chr m:val="̅"/>
-                          <m:ctrlPr>
-                            <a:rPr lang="en-US" b="0" i="1" smtClean="0">
-                              <a:latin typeface="Cambria Math" panose="02040503050406030204" pitchFamily="18" charset="0"/>
-                            </a:rPr>
-                          </m:ctrlPr>
-                        </m:accPr>
-                        <m:e>
-                          <m:r>
-                            <a:rPr lang="en-US" b="0" i="1" smtClean="0">
-                              <a:latin typeface="Cambria Math" panose="02040503050406030204" pitchFamily="18" charset="0"/>
-                            </a:rPr>
-                            <m:t>𝑋</m:t>
-                          </m:r>
-                        </m:e>
-                      </m:acc>
-                    </m:oMath>
-                  </m:oMathPara>
-                </a14:m>
-                <a:endParaRPr lang="en-US" b="0" dirty="0"/>
-              </a:p>
-              <a:p>
-                <a:endParaRPr lang="en-US" dirty="0"/>
-              </a:p>
-              <a:p>
-                <a:endParaRPr lang="en-US" dirty="0"/>
-              </a:p>
-              <a:p>
-                <a:pPr/>
-                <a14:m>
-                  <m:oMathPara xmlns:m="http://schemas.openxmlformats.org/officeDocument/2006/math">
-                    <m:oMathParaPr>
-                      <m:jc m:val="centerGroup"/>
-                    </m:oMathParaPr>
-                    <m:oMath xmlns:m="http://schemas.openxmlformats.org/officeDocument/2006/math">
-                      <m:r>
-                        <a:rPr lang="en-US" b="1" i="1" smtClean="0">
-                          <a:latin typeface="Cambria Math" panose="02040503050406030204" pitchFamily="18" charset="0"/>
-                        </a:rPr>
-                        <m:t>𝑴𝒆𝒅𝒊𝒂𝒏</m:t>
-                      </m:r>
-                      <m:r>
-                        <a:rPr lang="en-US" b="0" i="1" smtClean="0">
-                          <a:latin typeface="Cambria Math" panose="02040503050406030204" pitchFamily="18" charset="0"/>
-                        </a:rPr>
-                        <m:t> </m:t>
-                      </m:r>
-                      <m:r>
-                        <a:rPr lang="en-US" b="0" i="1" smtClean="0">
-                          <a:latin typeface="Cambria Math" panose="02040503050406030204" pitchFamily="18" charset="0"/>
-                        </a:rPr>
-                        <m:t>𝐿𝑜𝑐𝑎𝑡𝑖𝑜𝑛</m:t>
-                      </m:r>
-                      <m:r>
-                        <a:rPr lang="en-US" b="0" i="1" smtClean="0">
-                          <a:latin typeface="Cambria Math" panose="02040503050406030204" pitchFamily="18" charset="0"/>
-                        </a:rPr>
-                        <m:t>= </m:t>
-                      </m:r>
-                      <m:f>
-                        <m:fPr>
-                          <m:ctrlPr>
-                            <a:rPr lang="en-US" b="0" i="1" smtClean="0">
-                              <a:latin typeface="Cambria Math" panose="02040503050406030204" pitchFamily="18" charset="0"/>
-                            </a:rPr>
-                          </m:ctrlPr>
-                        </m:fPr>
-                        <m:num>
-                          <m:r>
-                            <a:rPr lang="en-US" b="0" i="1" smtClean="0">
-                              <a:latin typeface="Cambria Math" panose="02040503050406030204" pitchFamily="18" charset="0"/>
-                            </a:rPr>
-                            <m:t>𝑁</m:t>
-                          </m:r>
-                          <m:r>
-                            <a:rPr lang="en-US" b="0" i="1" smtClean="0">
-                              <a:latin typeface="Cambria Math" panose="02040503050406030204" pitchFamily="18" charset="0"/>
-                            </a:rPr>
-                            <m:t>+1</m:t>
-                          </m:r>
-                        </m:num>
-                        <m:den>
-                          <m:r>
-                            <a:rPr lang="en-US" b="0" i="1" smtClean="0">
-                              <a:latin typeface="Cambria Math" panose="02040503050406030204" pitchFamily="18" charset="0"/>
-                            </a:rPr>
-                            <m:t>2</m:t>
-                          </m:r>
-                        </m:den>
-                      </m:f>
-                    </m:oMath>
-                  </m:oMathPara>
-                </a14:m>
-                <a:endParaRPr lang="en-US" dirty="0"/>
-              </a:p>
-              <a:p>
-                <a:endParaRPr lang="en-US" b="0" dirty="0"/>
-              </a:p>
-              <a:p>
-                <a:pPr/>
-                <a14:m>
-                  <m:oMathPara xmlns:m="http://schemas.openxmlformats.org/officeDocument/2006/math">
-                    <m:oMathParaPr>
-                      <m:jc m:val="centerGroup"/>
-                    </m:oMathParaPr>
-                    <m:oMath xmlns:m="http://schemas.openxmlformats.org/officeDocument/2006/math">
-                      <m:r>
-                        <a:rPr lang="en-US" b="0" i="1" smtClean="0">
-                          <a:latin typeface="Cambria Math" panose="02040503050406030204" pitchFamily="18" charset="0"/>
-                        </a:rPr>
-                        <m:t>𝑀𝑒𝑑𝑖𝑎𝑛</m:t>
-                      </m:r>
-                      <m:d>
-                        <m:dPr>
-                          <m:ctrlPr>
-                            <a:rPr lang="en-US" b="0" i="1" smtClean="0">
-                              <a:latin typeface="Cambria Math" panose="02040503050406030204" pitchFamily="18" charset="0"/>
-                            </a:rPr>
-                          </m:ctrlPr>
-                        </m:dPr>
-                        <m:e>
-                          <m:r>
-                            <a:rPr lang="en-US" b="0" i="1" smtClean="0">
-                              <a:latin typeface="Cambria Math" panose="02040503050406030204" pitchFamily="18" charset="0"/>
-                            </a:rPr>
-                            <m:t>2,3,4,5</m:t>
-                          </m:r>
-                        </m:e>
-                      </m:d>
-                      <m:r>
-                        <a:rPr lang="en-US" i="1">
-                          <a:latin typeface="Cambria Math" panose="02040503050406030204" pitchFamily="18" charset="0"/>
-                          <a:ea typeface="Cambria Math" panose="02040503050406030204" pitchFamily="18" charset="0"/>
-                        </a:rPr>
-                        <m:t>→</m:t>
-                      </m:r>
-                      <m:r>
-                        <a:rPr lang="en-US" b="0" i="1" smtClean="0">
-                          <a:latin typeface="Cambria Math" panose="02040503050406030204" pitchFamily="18" charset="0"/>
-                          <a:ea typeface="Cambria Math" panose="02040503050406030204" pitchFamily="18" charset="0"/>
-                        </a:rPr>
-                        <m:t>𝑀𝑒𝑑𝑖𝑎𝑛</m:t>
-                      </m:r>
-                      <m:r>
-                        <a:rPr lang="en-US" b="0" i="1" smtClean="0">
-                          <a:latin typeface="Cambria Math" panose="02040503050406030204" pitchFamily="18" charset="0"/>
-                          <a:ea typeface="Cambria Math" panose="02040503050406030204" pitchFamily="18" charset="0"/>
-                        </a:rPr>
-                        <m:t> </m:t>
-                      </m:r>
-                      <m:r>
-                        <a:rPr lang="en-US" b="0" i="1" smtClean="0">
-                          <a:latin typeface="Cambria Math" panose="02040503050406030204" pitchFamily="18" charset="0"/>
-                          <a:ea typeface="Cambria Math" panose="02040503050406030204" pitchFamily="18" charset="0"/>
-                        </a:rPr>
-                        <m:t>𝐿𝑜𝑐𝑎𝑡𝑖𝑜𝑛</m:t>
-                      </m:r>
-                      <m:r>
-                        <a:rPr lang="en-US" b="0" i="1" smtClean="0">
-                          <a:latin typeface="Cambria Math" panose="02040503050406030204" pitchFamily="18" charset="0"/>
-                          <a:ea typeface="Cambria Math" panose="02040503050406030204" pitchFamily="18" charset="0"/>
-                        </a:rPr>
-                        <m:t>= </m:t>
-                      </m:r>
-                      <m:f>
-                        <m:fPr>
-                          <m:ctrlPr>
-                            <a:rPr lang="en-US" b="0" i="1" smtClean="0">
-                              <a:latin typeface="Cambria Math" panose="02040503050406030204" pitchFamily="18" charset="0"/>
-                              <a:ea typeface="Cambria Math" panose="02040503050406030204" pitchFamily="18" charset="0"/>
-                            </a:rPr>
-                          </m:ctrlPr>
-                        </m:fPr>
-                        <m:num>
-                          <m:r>
-                            <a:rPr lang="en-US" b="0" i="1" smtClean="0">
-                              <a:latin typeface="Cambria Math" panose="02040503050406030204" pitchFamily="18" charset="0"/>
-                              <a:ea typeface="Cambria Math" panose="02040503050406030204" pitchFamily="18" charset="0"/>
-                            </a:rPr>
-                            <m:t>4+1</m:t>
-                          </m:r>
-                        </m:num>
-                        <m:den>
-                          <m:r>
-                            <a:rPr lang="en-US" b="0" i="1" smtClean="0">
-                              <a:latin typeface="Cambria Math" panose="02040503050406030204" pitchFamily="18" charset="0"/>
-                              <a:ea typeface="Cambria Math" panose="02040503050406030204" pitchFamily="18" charset="0"/>
-                            </a:rPr>
-                            <m:t>2</m:t>
-                          </m:r>
-                        </m:den>
-                      </m:f>
-                      <m:r>
-                        <a:rPr lang="en-US" b="0" i="1" smtClean="0">
-                          <a:latin typeface="Cambria Math" panose="02040503050406030204" pitchFamily="18" charset="0"/>
-                          <a:ea typeface="Cambria Math" panose="02040503050406030204" pitchFamily="18" charset="0"/>
-                        </a:rPr>
-                        <m:t>=2.5</m:t>
-                      </m:r>
-                    </m:oMath>
-                  </m:oMathPara>
-                </a14:m>
-                <a:endParaRPr lang="en-US" b="0" dirty="0"/>
-              </a:p>
-              <a:p>
-                <a:endParaRPr lang="en-US" b="0" dirty="0"/>
-              </a:p>
-              <a:p>
-                <a:endParaRPr lang="en-US" dirty="0"/>
-              </a:p>
-              <a:p>
-                <a:pPr/>
-                <a14:m>
-                  <m:oMathPara xmlns:m="http://schemas.openxmlformats.org/officeDocument/2006/math">
-                    <m:oMathParaPr>
-                      <m:jc m:val="centerGroup"/>
-                    </m:oMathParaPr>
-                    <m:oMath xmlns:m="http://schemas.openxmlformats.org/officeDocument/2006/math">
-                      <m:r>
-                        <a:rPr lang="en-US" b="0" i="1" smtClean="0">
-                          <a:latin typeface="Cambria Math" panose="02040503050406030204" pitchFamily="18" charset="0"/>
-                        </a:rPr>
-                        <m:t>𝑀𝑒𝑑𝑖𝑎𝑛</m:t>
-                      </m:r>
-                      <m:d>
-                        <m:dPr>
-                          <m:ctrlPr>
-                            <a:rPr lang="en-US" b="0" i="1" smtClean="0">
-                              <a:latin typeface="Cambria Math" panose="02040503050406030204" pitchFamily="18" charset="0"/>
-                            </a:rPr>
-                          </m:ctrlPr>
-                        </m:dPr>
-                        <m:e>
-                          <m:r>
-                            <a:rPr lang="en-US" b="0" i="1" smtClean="0">
-                              <a:latin typeface="Cambria Math" panose="02040503050406030204" pitchFamily="18" charset="0"/>
-                            </a:rPr>
-                            <m:t>2,3,4,5</m:t>
-                          </m:r>
-                        </m:e>
-                      </m:d>
-                      <m:r>
-                        <a:rPr lang="en-US" b="0" i="1" smtClean="0">
-                          <a:latin typeface="Cambria Math" panose="02040503050406030204" pitchFamily="18" charset="0"/>
-                          <a:ea typeface="Cambria Math" panose="02040503050406030204" pitchFamily="18" charset="0"/>
-                        </a:rPr>
-                        <m:t>→</m:t>
-                      </m:r>
-                      <m:d>
-                        <m:dPr>
-                          <m:endChr m:val="|"/>
-                          <m:ctrlPr>
-                            <a:rPr lang="en-US" b="0" i="1" smtClean="0">
-                              <a:latin typeface="Cambria Math" panose="02040503050406030204" pitchFamily="18" charset="0"/>
-                              <a:ea typeface="Cambria Math" panose="02040503050406030204" pitchFamily="18" charset="0"/>
-                            </a:rPr>
-                          </m:ctrlPr>
-                        </m:dPr>
-                        <m:e>
-                          <m:r>
-                            <a:rPr lang="en-US" b="0" i="1" smtClean="0">
-                              <a:latin typeface="Cambria Math" panose="02040503050406030204" pitchFamily="18" charset="0"/>
-                              <a:ea typeface="Cambria Math" panose="02040503050406030204" pitchFamily="18" charset="0"/>
-                            </a:rPr>
-                            <m:t>2, 3</m:t>
-                          </m:r>
-                        </m:e>
-                      </m:d>
-                      <m:r>
-                        <a:rPr lang="en-US" b="0" i="1" smtClean="0">
-                          <a:latin typeface="Cambria Math" panose="02040503050406030204" pitchFamily="18" charset="0"/>
-                          <a:ea typeface="Cambria Math" panose="02040503050406030204" pitchFamily="18" charset="0"/>
-                        </a:rPr>
-                        <m:t>4, 5)→</m:t>
-                      </m:r>
-                      <m:r>
-                        <a:rPr lang="en-US" b="0" i="1" smtClean="0">
-                          <a:latin typeface="Cambria Math" panose="02040503050406030204" pitchFamily="18" charset="0"/>
-                          <a:ea typeface="Cambria Math" panose="02040503050406030204" pitchFamily="18" charset="0"/>
-                        </a:rPr>
-                        <m:t>𝑀𝑒𝑑𝑖𝑎𝑛</m:t>
-                      </m:r>
-                      <m:r>
-                        <a:rPr lang="en-US" b="0" i="1" smtClean="0">
-                          <a:latin typeface="Cambria Math" panose="02040503050406030204" pitchFamily="18" charset="0"/>
-                          <a:ea typeface="Cambria Math" panose="02040503050406030204" pitchFamily="18" charset="0"/>
-                        </a:rPr>
-                        <m:t>=3.5</m:t>
-                      </m:r>
-                    </m:oMath>
-                  </m:oMathPara>
-                </a14:m>
-                <a:endParaRPr lang="en-US" dirty="0"/>
-              </a:p>
-              <a:p>
-                <a:endParaRPr lang="en-US" dirty="0"/>
-              </a:p>
-              <a:p>
-                <a:endParaRPr lang="en-US" dirty="0"/>
-              </a:p>
-              <a:p>
-                <a:endParaRPr lang="en-US" b="0" i="1" dirty="0">
-                  <a:latin typeface="Cambria Math" panose="02040503050406030204" pitchFamily="18" charset="0"/>
-                </a:endParaRPr>
-              </a:p>
-              <a:p>
-                <a:pPr/>
-                <a14:m>
-                  <m:oMathPara xmlns:m="http://schemas.openxmlformats.org/officeDocument/2006/math">
-                    <m:oMathParaPr>
-                      <m:jc m:val="centerGroup"/>
-                    </m:oMathParaPr>
-                    <m:oMath xmlns:m="http://schemas.openxmlformats.org/officeDocument/2006/math">
-                      <m:r>
-                        <a:rPr lang="en-US" b="1" i="1" smtClean="0">
-                          <a:latin typeface="Cambria Math" panose="02040503050406030204" pitchFamily="18" charset="0"/>
-                        </a:rPr>
-                        <m:t>𝑴𝒐𝒅𝒆</m:t>
-                      </m:r>
-                      <m:d>
-                        <m:dPr>
-                          <m:ctrlPr>
-                            <a:rPr lang="en-US" b="0" i="1" smtClean="0">
-                              <a:latin typeface="Cambria Math" panose="02040503050406030204" pitchFamily="18" charset="0"/>
-                            </a:rPr>
-                          </m:ctrlPr>
-                        </m:dPr>
-                        <m:e>
-                          <m:r>
-                            <a:rPr lang="en-US" b="0" i="1" smtClean="0">
-                              <a:latin typeface="Cambria Math" panose="02040503050406030204" pitchFamily="18" charset="0"/>
-                            </a:rPr>
-                            <m:t>2,3,4,5</m:t>
-                          </m:r>
-                        </m:e>
-                      </m:d>
-                      <m:r>
-                        <a:rPr lang="en-US" b="0" i="1" smtClean="0">
-                          <a:latin typeface="Cambria Math" panose="02040503050406030204" pitchFamily="18" charset="0"/>
-                          <a:ea typeface="Cambria Math" panose="02040503050406030204" pitchFamily="18" charset="0"/>
-                        </a:rPr>
-                        <m:t>→</m:t>
-                      </m:r>
-                      <m:r>
-                        <a:rPr lang="en-US" b="0" i="1" smtClean="0">
-                          <a:latin typeface="Cambria Math" panose="02040503050406030204" pitchFamily="18" charset="0"/>
-                          <a:ea typeface="Cambria Math" panose="02040503050406030204" pitchFamily="18" charset="0"/>
-                        </a:rPr>
-                        <m:t>𝐴𝑙𝑙</m:t>
-                      </m:r>
-                      <m:r>
-                        <a:rPr lang="en-US" b="0" i="1" smtClean="0">
-                          <a:latin typeface="Cambria Math" panose="02040503050406030204" pitchFamily="18" charset="0"/>
-                          <a:ea typeface="Cambria Math" panose="02040503050406030204" pitchFamily="18" charset="0"/>
-                        </a:rPr>
-                        <m:t> </m:t>
-                      </m:r>
-                      <m:r>
-                        <a:rPr lang="en-US" b="0" i="1" smtClean="0">
-                          <a:latin typeface="Cambria Math" panose="02040503050406030204" pitchFamily="18" charset="0"/>
-                          <a:ea typeface="Cambria Math" panose="02040503050406030204" pitchFamily="18" charset="0"/>
-                        </a:rPr>
-                        <m:t>𝑜𝑐𝑐𝑢𝑟</m:t>
-                      </m:r>
-                      <m:r>
-                        <a:rPr lang="en-US" b="0" i="1" smtClean="0">
-                          <a:latin typeface="Cambria Math" panose="02040503050406030204" pitchFamily="18" charset="0"/>
-                          <a:ea typeface="Cambria Math" panose="02040503050406030204" pitchFamily="18" charset="0"/>
-                        </a:rPr>
-                        <m:t> </m:t>
-                      </m:r>
-                      <m:r>
-                        <a:rPr lang="en-US" b="0" i="1" smtClean="0">
-                          <a:latin typeface="Cambria Math" panose="02040503050406030204" pitchFamily="18" charset="0"/>
-                          <a:ea typeface="Cambria Math" panose="02040503050406030204" pitchFamily="18" charset="0"/>
-                        </a:rPr>
-                        <m:t>𝑠𝑎𝑚𝑒</m:t>
-                      </m:r>
-                      <m:r>
-                        <a:rPr lang="en-US" b="0" i="1" smtClean="0">
-                          <a:latin typeface="Cambria Math" panose="02040503050406030204" pitchFamily="18" charset="0"/>
-                          <a:ea typeface="Cambria Math" panose="02040503050406030204" pitchFamily="18" charset="0"/>
-                        </a:rPr>
-                        <m:t> # </m:t>
-                      </m:r>
-                      <m:r>
-                        <a:rPr lang="en-US" b="0" i="1" smtClean="0">
-                          <a:latin typeface="Cambria Math" panose="02040503050406030204" pitchFamily="18" charset="0"/>
-                          <a:ea typeface="Cambria Math" panose="02040503050406030204" pitchFamily="18" charset="0"/>
-                        </a:rPr>
-                        <m:t>𝑡𝑖𝑚𝑒𝑠</m:t>
-                      </m:r>
-                      <m:r>
-                        <a:rPr lang="en-US" b="0" i="1" smtClean="0">
-                          <a:latin typeface="Cambria Math" panose="02040503050406030204" pitchFamily="18" charset="0"/>
-                          <a:ea typeface="Cambria Math" panose="02040503050406030204" pitchFamily="18" charset="0"/>
-                        </a:rPr>
-                        <m:t>→</m:t>
-                      </m:r>
-                      <m:r>
-                        <a:rPr lang="en-US" b="0" i="1" smtClean="0">
-                          <a:latin typeface="Cambria Math" panose="02040503050406030204" pitchFamily="18" charset="0"/>
-                          <a:ea typeface="Cambria Math" panose="02040503050406030204" pitchFamily="18" charset="0"/>
-                        </a:rPr>
-                        <m:t>𝑈𝑛𝑖𝑓𝑜𝑟𝑚</m:t>
-                      </m:r>
-                    </m:oMath>
-                  </m:oMathPara>
-                </a14:m>
-                <a:endParaRPr lang="en-US" dirty="0"/>
-              </a:p>
-              <a:p>
-                <a:endParaRPr lang="en-US" dirty="0"/>
-              </a:p>
-              <a:p>
-                <a:endParaRPr lang="en-US" dirty="0"/>
-              </a:p>
-            </p:txBody>
-          </p:sp>
-        </mc:Choice>
-        <mc:Fallback xmlns="">
-          <p:sp>
-            <p:nvSpPr>
-              <p:cNvPr id="3" name="TextBox 2">
-                <a:extLst>
-                  <a:ext uri="{FF2B5EF4-FFF2-40B4-BE49-F238E27FC236}">
-                    <a16:creationId xmlns:a16="http://schemas.microsoft.com/office/drawing/2014/main" id="{BFC267E8-91D2-4D8A-A96F-1781659B8B19}"/>
-                  </a:ext>
-                </a:extLst>
-              </p:cNvPr>
-              <p:cNvSpPr txBox="1">
-                <a:spLocks noRot="1" noChangeAspect="1" noMove="1" noResize="1" noEditPoints="1" noAdjustHandles="1" noChangeArrowheads="1" noChangeShapeType="1" noTextEdit="1"/>
-              </p:cNvSpPr>
-              <p:nvPr/>
-            </p:nvSpPr>
-            <p:spPr>
-              <a:xfrm>
-                <a:off x="10610452" y="711989"/>
-                <a:ext cx="7734699" cy="5788379"/>
-              </a:xfrm>
-              <a:prstGeom prst="rect">
-                <a:avLst/>
-              </a:prstGeom>
-              <a:blipFill>
-                <a:blip r:embed="rId2"/>
-                <a:stretch>
-                  <a:fillRect/>
-                </a:stretch>
-              </a:blipFill>
-            </p:spPr>
-            <p:txBody>
-              <a:bodyPr/>
-              <a:lstStyle/>
-              <a:p>
-                <a:r>
-                  <a:rPr lang="en-US">
-                    <a:noFill/>
-                  </a:rPr>
-                  <a:t> </a:t>
-                </a:r>
-              </a:p>
-            </p:txBody>
-          </p:sp>
-        </mc:Fallback>
-      </mc:AlternateContent>
       <p:pic>
         <p:nvPicPr>
-          <p:cNvPr id="6" name="Picture 5">
+          <p:cNvPr id="5" name="Picture 4">
             <a:extLst>
               <a:ext uri="{FF2B5EF4-FFF2-40B4-BE49-F238E27FC236}">
-                <a16:creationId xmlns:a16="http://schemas.microsoft.com/office/drawing/2014/main" id="{1B58E329-A2E0-447E-BF6E-79622A11393D}"/>
+                <a16:creationId xmlns:a16="http://schemas.microsoft.com/office/drawing/2014/main" id="{902989EB-80CD-4F40-965C-3380CCDA6CBC}"/>
+              </a:ext>
+            </a:extLst>
+          </p:cNvPr>
+          <p:cNvPicPr>
+            <a:picLocks noChangeAspect="1"/>
+          </p:cNvPicPr>
+          <p:nvPr/>
+        </p:nvPicPr>
+        <p:blipFill>
+          <a:blip r:embed="rId2"/>
+          <a:stretch>
+            <a:fillRect/>
+          </a:stretch>
+        </p:blipFill>
+        <p:spPr>
+          <a:xfrm>
+            <a:off x="10520038" y="222168"/>
+            <a:ext cx="6504639" cy="6418675"/>
+          </a:xfrm>
+          <a:prstGeom prst="rect">
+            <a:avLst/>
+          </a:prstGeom>
+        </p:spPr>
+      </p:pic>
+      <p:pic>
+        <p:nvPicPr>
+          <p:cNvPr id="10" name="Picture 9">
+            <a:extLst>
+              <a:ext uri="{FF2B5EF4-FFF2-40B4-BE49-F238E27FC236}">
+                <a16:creationId xmlns:a16="http://schemas.microsoft.com/office/drawing/2014/main" id="{90E128C2-B63B-402D-A1D9-AD417631C79E}"/>
               </a:ext>
             </a:extLst>
           </p:cNvPr>
@@ -16122,155 +15508,14 @@
         </p:blipFill>
         <p:spPr>
           <a:xfrm>
-            <a:off x="11623468" y="6413500"/>
-            <a:ext cx="5745576" cy="3848978"/>
+            <a:off x="11041298" y="6718300"/>
+            <a:ext cx="5462118" cy="3401675"/>
           </a:xfrm>
           <a:prstGeom prst="rect">
             <a:avLst/>
           </a:prstGeom>
         </p:spPr>
       </p:pic>
-      <p:sp>
-        <p:nvSpPr>
-          <p:cNvPr id="7" name="Rectangle 6">
-            <a:extLst>
-              <a:ext uri="{FF2B5EF4-FFF2-40B4-BE49-F238E27FC236}">
-                <a16:creationId xmlns:a16="http://schemas.microsoft.com/office/drawing/2014/main" id="{937F50CF-BE91-4799-B323-93707CC0BDC3}"/>
-              </a:ext>
-            </a:extLst>
-          </p:cNvPr>
-          <p:cNvSpPr/>
-          <p:nvPr/>
-        </p:nvSpPr>
-        <p:spPr>
-          <a:xfrm>
-            <a:off x="11714956" y="546100"/>
-            <a:ext cx="5562600" cy="1761559"/>
-          </a:xfrm>
-          <a:prstGeom prst="rect">
-            <a:avLst/>
-          </a:prstGeom>
-          <a:noFill/>
-        </p:spPr>
-        <p:style>
-          <a:lnRef idx="2">
-            <a:schemeClr val="accent1">
-              <a:shade val="50000"/>
-            </a:schemeClr>
-          </a:lnRef>
-          <a:fillRef idx="1">
-            <a:schemeClr val="accent1"/>
-          </a:fillRef>
-          <a:effectRef idx="0">
-            <a:schemeClr val="accent1"/>
-          </a:effectRef>
-          <a:fontRef idx="minor">
-            <a:schemeClr val="lt1"/>
-          </a:fontRef>
-        </p:style>
-        <p:txBody>
-          <a:bodyPr rtlCol="0" anchor="ctr"/>
-          <a:lstStyle/>
-          <a:p>
-            <a:pPr algn="ctr"/>
-            <a:endParaRPr lang="en-US"/>
-          </a:p>
-        </p:txBody>
-      </p:sp>
-      <p:sp>
-        <p:nvSpPr>
-          <p:cNvPr id="9" name="Rectangle 8">
-            <a:extLst>
-              <a:ext uri="{FF2B5EF4-FFF2-40B4-BE49-F238E27FC236}">
-                <a16:creationId xmlns:a16="http://schemas.microsoft.com/office/drawing/2014/main" id="{573D2743-2579-497F-86BD-D3830A3A7252}"/>
-              </a:ext>
-            </a:extLst>
-          </p:cNvPr>
-          <p:cNvSpPr/>
-          <p:nvPr/>
-        </p:nvSpPr>
-        <p:spPr>
-          <a:xfrm>
-            <a:off x="11714956" y="2555016"/>
-            <a:ext cx="5562600" cy="2442930"/>
-          </a:xfrm>
-          <a:prstGeom prst="rect">
-            <a:avLst/>
-          </a:prstGeom>
-          <a:noFill/>
-        </p:spPr>
-        <p:style>
-          <a:lnRef idx="2">
-            <a:schemeClr val="accent1">
-              <a:shade val="50000"/>
-            </a:schemeClr>
-          </a:lnRef>
-          <a:fillRef idx="1">
-            <a:schemeClr val="accent1"/>
-          </a:fillRef>
-          <a:effectRef idx="0">
-            <a:schemeClr val="accent1"/>
-          </a:effectRef>
-          <a:fontRef idx="minor">
-            <a:schemeClr val="lt1"/>
-          </a:fontRef>
-        </p:style>
-        <p:txBody>
-          <a:bodyPr rtlCol="0" anchor="ctr"/>
-          <a:lstStyle/>
-          <a:p>
-            <a:pPr algn="ctr"/>
-            <a:endParaRPr lang="en-US"/>
-          </a:p>
-        </p:txBody>
-      </p:sp>
-      <p:sp>
-        <p:nvSpPr>
-          <p:cNvPr id="18" name="Rectangle 17">
-            <a:extLst>
-              <a:ext uri="{FF2B5EF4-FFF2-40B4-BE49-F238E27FC236}">
-                <a16:creationId xmlns:a16="http://schemas.microsoft.com/office/drawing/2014/main" id="{8D500611-5A18-45B0-B181-C8BA53DC3DE0}"/>
-              </a:ext>
-            </a:extLst>
-          </p:cNvPr>
-          <p:cNvSpPr/>
-          <p:nvPr/>
-        </p:nvSpPr>
-        <p:spPr>
-          <a:xfrm>
-            <a:off x="11714956" y="5239327"/>
-            <a:ext cx="5562600" cy="838200"/>
-          </a:xfrm>
-          <a:prstGeom prst="rect">
-            <a:avLst/>
-          </a:prstGeom>
-          <a:noFill/>
-        </p:spPr>
-        <p:style>
-          <a:lnRef idx="2">
-            <a:schemeClr val="accent1">
-              <a:shade val="50000"/>
-            </a:schemeClr>
-          </a:lnRef>
-          <a:fillRef idx="1">
-            <a:schemeClr val="accent1"/>
-          </a:fillRef>
-          <a:effectRef idx="0">
-            <a:schemeClr val="accent1"/>
-          </a:effectRef>
-          <a:fontRef idx="minor">
-            <a:schemeClr val="lt1"/>
-          </a:fontRef>
-        </p:style>
-        <p:txBody>
-          <a:bodyPr rtlCol="0" anchor="ctr"/>
-          <a:lstStyle/>
-          <a:p>
-            <a:pPr algn="ctr"/>
-            <a:endParaRPr lang="en-US"/>
-          </a:p>
-        </p:txBody>
-      </p:sp>
     </p:spTree>
     <p:extLst>
       <p:ext uri="{BB962C8B-B14F-4D97-AF65-F5344CB8AC3E}">
